--- a/Video Ver1/Video PPT/34. Cross Join.pptx
+++ b/Video Ver1/Video PPT/34. Cross Join.pptx
@@ -111,7 +111,7 @@
   </p:defaultTextStyle>
   <p:extLst>
     <p:ext uri="{521415D9-36F7-43E2-AB2F-B90AF26B5E84}">
-      <p14:sectionLst xmlns="" xmlns:p14="http://schemas.microsoft.com/office/powerpoint/2010/main">
+      <p14:sectionLst xmlns:p14="http://schemas.microsoft.com/office/powerpoint/2010/main" xmlns="">
         <p14:section name="Introduction" id="{A3D14946-8297-4856-B082-4FEFA482017C}">
           <p14:sldIdLst>
             <p14:sldId id="282"/>
@@ -752,7 +752,7 @@
       </p14:sectionLst>
     </p:ext>
     <p:ext uri="{EFAFB233-063F-42B5-8137-9DF3F51BA10A}">
-      <p15:sldGuideLst xmlns="" xmlns:p15="http://schemas.microsoft.com/office/powerpoint/2012/main">
+      <p15:sldGuideLst xmlns:p15="http://schemas.microsoft.com/office/powerpoint/2012/main" xmlns="">
         <p15:guide id="1" orient="horz" pos="2160">
           <p15:clr>
             <a:srgbClr val="A4A3A4"/>
@@ -774,7 +774,7 @@
   <p:cmAuthor id="1" name="Saleel" initials="S" lastIdx="1" clrIdx="0">
     <p:extLst>
       <p:ext uri="{19B8F6BF-5375-455C-9EA6-DF929625EA0E}">
-        <p15:presenceInfo xmlns="" xmlns:p15="http://schemas.microsoft.com/office/powerpoint/2012/main" userId="Saleel" providerId="None"/>
+        <p15:presenceInfo xmlns:p15="http://schemas.microsoft.com/office/powerpoint/2012/main" xmlns="" userId="Saleel" providerId="None"/>
       </p:ext>
     </p:extLst>
   </p:cmAuthor>
@@ -864,7 +864,7 @@
             <a:fld id="{4DF51050-3720-483B-B552-57DC1341D582}" type="datetimeFigureOut">
               <a:rPr lang="en-US" smtClean="0"/>
               <a:pPr/>
-              <a:t>6/18/2020</a:t>
+              <a:t>6/22/2020</a:t>
             </a:fld>
             <a:endParaRPr lang="en-US"/>
           </a:p>
@@ -1323,7 +1323,7 @@
             <a:fld id="{EEE556E8-492E-4E8F-8E7F-7A7787724D01}" type="datetimeFigureOut">
               <a:rPr lang="en-US" smtClean="0"/>
               <a:pPr/>
-              <a:t>6/18/2020</a:t>
+              <a:t>6/22/2020</a:t>
             </a:fld>
             <a:endParaRPr lang="en-US"/>
           </a:p>
@@ -1528,7 +1528,7 @@
             <a:fld id="{EEE556E8-492E-4E8F-8E7F-7A7787724D01}" type="datetimeFigureOut">
               <a:rPr lang="en-US" smtClean="0"/>
               <a:pPr/>
-              <a:t>6/18/2020</a:t>
+              <a:t>6/22/2020</a:t>
             </a:fld>
             <a:endParaRPr lang="en-US"/>
           </a:p>
@@ -1733,7 +1733,7 @@
             <a:fld id="{EEE556E8-492E-4E8F-8E7F-7A7787724D01}" type="datetimeFigureOut">
               <a:rPr lang="en-US" smtClean="0"/>
               <a:pPr/>
-              <a:t>6/18/2020</a:t>
+              <a:t>6/22/2020</a:t>
             </a:fld>
             <a:endParaRPr lang="en-US"/>
           </a:p>
@@ -1938,7 +1938,7 @@
             <a:fld id="{EEE556E8-492E-4E8F-8E7F-7A7787724D01}" type="datetimeFigureOut">
               <a:rPr lang="en-US" smtClean="0"/>
               <a:pPr/>
-              <a:t>6/18/2020</a:t>
+              <a:t>6/22/2020</a:t>
             </a:fld>
             <a:endParaRPr lang="en-US"/>
           </a:p>
@@ -2210,7 +2210,7 @@
             <a:fld id="{EEE556E8-492E-4E8F-8E7F-7A7787724D01}" type="datetimeFigureOut">
               <a:rPr lang="en-US" smtClean="0"/>
               <a:pPr/>
-              <a:t>6/18/2020</a:t>
+              <a:t>6/22/2020</a:t>
             </a:fld>
             <a:endParaRPr lang="en-US"/>
           </a:p>
@@ -2530,7 +2530,7 @@
             <a:fld id="{EEE556E8-492E-4E8F-8E7F-7A7787724D01}" type="datetimeFigureOut">
               <a:rPr lang="en-US" smtClean="0"/>
               <a:pPr/>
-              <a:t>6/18/2020</a:t>
+              <a:t>6/22/2020</a:t>
             </a:fld>
             <a:endParaRPr lang="en-US"/>
           </a:p>
@@ -2990,7 +2990,7 @@
             <a:fld id="{EEE556E8-492E-4E8F-8E7F-7A7787724D01}" type="datetimeFigureOut">
               <a:rPr lang="en-US" smtClean="0"/>
               <a:pPr/>
-              <a:t>6/18/2020</a:t>
+              <a:t>6/22/2020</a:t>
             </a:fld>
             <a:endParaRPr lang="en-US"/>
           </a:p>
@@ -3136,7 +3136,7 @@
             <a:fld id="{EEE556E8-492E-4E8F-8E7F-7A7787724D01}" type="datetimeFigureOut">
               <a:rPr lang="en-US" smtClean="0"/>
               <a:pPr/>
-              <a:t>6/18/2020</a:t>
+              <a:t>6/22/2020</a:t>
             </a:fld>
             <a:endParaRPr lang="en-US"/>
           </a:p>
@@ -3466,7 +3466,7 @@
             <a:fld id="{EEE556E8-492E-4E8F-8E7F-7A7787724D01}" type="datetimeFigureOut">
               <a:rPr lang="en-US" smtClean="0"/>
               <a:pPr/>
-              <a:t>6/18/2020</a:t>
+              <a:t>6/22/2020</a:t>
             </a:fld>
             <a:endParaRPr lang="en-US"/>
           </a:p>
@@ -3748,7 +3748,7 @@
             <a:fld id="{EEE556E8-492E-4E8F-8E7F-7A7787724D01}" type="datetimeFigureOut">
               <a:rPr lang="en-US" smtClean="0"/>
               <a:pPr/>
-              <a:t>6/18/2020</a:t>
+              <a:t>6/22/2020</a:t>
             </a:fld>
             <a:endParaRPr lang="en-US"/>
           </a:p>
@@ -4174,7 +4174,7 @@
           <p:cNvPr id="3" name="Picture 2">
             <a:extLst>
               <a:ext uri="{FF2B5EF4-FFF2-40B4-BE49-F238E27FC236}">
-                <a16:creationId xmlns:a16="http://schemas.microsoft.com/office/drawing/2014/main" xmlns="" id="{41A85463-8A73-4AAF-B006-A8206B2E4A66}"/>
+                <a16:creationId xmlns="" xmlns:a16="http://schemas.microsoft.com/office/drawing/2014/main" id="{41A85463-8A73-4AAF-B006-A8206B2E4A66}"/>
               </a:ext>
             </a:extLst>
           </p:cNvPr>
@@ -4187,7 +4187,7 @@
           <a:blip r:embed="rId2" cstate="print">
             <a:extLst>
               <a:ext uri="{28A0092B-C50C-407E-A947-70E740481C1C}">
-                <a14:useLocalDpi xmlns:a14="http://schemas.microsoft.com/office/drawing/2010/main" xmlns="" val="0"/>
+                <a14:useLocalDpi xmlns="" xmlns:a14="http://schemas.microsoft.com/office/drawing/2010/main" val="0"/>
               </a:ext>
             </a:extLst>
           </a:blip>
@@ -4210,7 +4210,7 @@
           <p:cNvPr id="4" name="Footer Placeholder 2">
             <a:extLst>
               <a:ext uri="{FF2B5EF4-FFF2-40B4-BE49-F238E27FC236}">
-                <a16:creationId xmlns:a16="http://schemas.microsoft.com/office/drawing/2014/main" xmlns="" id="{4610B96E-6F6B-4597-8ADF-B68C8A17E820}"/>
+                <a16:creationId xmlns="" xmlns:a16="http://schemas.microsoft.com/office/drawing/2014/main" id="{4610B96E-6F6B-4597-8ADF-B68C8A17E820}"/>
               </a:ext>
             </a:extLst>
           </p:cNvPr>
@@ -4371,7 +4371,7 @@
     </p:spTree>
     <p:extLst>
       <p:ext uri="{BB962C8B-B14F-4D97-AF65-F5344CB8AC3E}">
-        <p14:creationId xmlns:p14="http://schemas.microsoft.com/office/powerpoint/2010/main" xmlns="" val="4253925860"/>
+        <p14:creationId xmlns="" xmlns:p14="http://schemas.microsoft.com/office/powerpoint/2010/main" val="4253925860"/>
       </p:ext>
     </p:extLst>
   </p:cSld>
@@ -4410,7 +4410,7 @@
           <p:cNvPr id="3" name="Picture 2">
             <a:extLst>
               <a:ext uri="{FF2B5EF4-FFF2-40B4-BE49-F238E27FC236}">
-                <a16:creationId xmlns:a16="http://schemas.microsoft.com/office/drawing/2014/main" xmlns="" id="{41A85463-8A73-4AAF-B006-A8206B2E4A66}"/>
+                <a16:creationId xmlns="" xmlns:a16="http://schemas.microsoft.com/office/drawing/2014/main" id="{41A85463-8A73-4AAF-B006-A8206B2E4A66}"/>
               </a:ext>
             </a:extLst>
           </p:cNvPr>
@@ -4423,7 +4423,7 @@
           <a:blip r:embed="rId2" cstate="print">
             <a:extLst>
               <a:ext uri="{28A0092B-C50C-407E-A947-70E740481C1C}">
-                <a14:useLocalDpi xmlns:a14="http://schemas.microsoft.com/office/drawing/2010/main" xmlns="" val="0"/>
+                <a14:useLocalDpi xmlns="" xmlns:a14="http://schemas.microsoft.com/office/drawing/2010/main" val="0"/>
               </a:ext>
             </a:extLst>
           </a:blip>
@@ -4446,7 +4446,7 @@
           <p:cNvPr id="22" name="Footer Placeholder 2">
             <a:extLst>
               <a:ext uri="{FF2B5EF4-FFF2-40B4-BE49-F238E27FC236}">
-                <a16:creationId xmlns="" xmlns:a16="http://schemas.microsoft.com/office/drawing/2014/main" id="{FE7D71F0-97C1-4A7C-A634-BE2CA956F0C6}"/>
+                <a16:creationId xmlns:a16="http://schemas.microsoft.com/office/drawing/2014/main" xmlns="" id="{FE7D71F0-97C1-4A7C-A634-BE2CA956F0C6}"/>
               </a:ext>
             </a:extLst>
           </p:cNvPr>
@@ -4581,7 +4581,7 @@
         </p:nvSpPr>
         <p:spPr>
           <a:xfrm>
-            <a:off x="380166" y="1711099"/>
+            <a:off x="380166" y="1142984"/>
             <a:ext cx="11501518" cy="646331"/>
           </a:xfrm>
           <a:prstGeom prst="rect">
@@ -4619,7 +4619,7 @@
         </p:blipFill>
         <p:spPr bwMode="auto">
           <a:xfrm>
-            <a:off x="1165984" y="2419372"/>
+            <a:off x="1345435" y="2205058"/>
             <a:ext cx="8821737" cy="4152900"/>
           </a:xfrm>
           <a:prstGeom prst="rect">
@@ -4638,7 +4638,7 @@
     </p:spTree>
     <p:extLst>
       <p:ext uri="{BB962C8B-B14F-4D97-AF65-F5344CB8AC3E}">
-        <p14:creationId xmlns:p14="http://schemas.microsoft.com/office/powerpoint/2010/main" xmlns="" val="4253925860"/>
+        <p14:creationId xmlns="" xmlns:p14="http://schemas.microsoft.com/office/powerpoint/2010/main" val="4253925860"/>
       </p:ext>
     </p:extLst>
   </p:cSld>
@@ -4766,7 +4766,7 @@
           <p:cNvPr id="8" name="Picture 7">
             <a:extLst>
               <a:ext uri="{FF2B5EF4-FFF2-40B4-BE49-F238E27FC236}">
-                <a16:creationId xmlns="" xmlns:a16="http://schemas.microsoft.com/office/drawing/2014/main" id="{FEA8C22B-921E-481F-8797-57B673F1241B}"/>
+                <a16:creationId xmlns:a16="http://schemas.microsoft.com/office/drawing/2014/main" xmlns="" id="{FEA8C22B-921E-481F-8797-57B673F1241B}"/>
               </a:ext>
             </a:extLst>
           </p:cNvPr>
@@ -4779,7 +4779,7 @@
           <a:blip r:embed="rId2" cstate="print">
             <a:extLst>
               <a:ext uri="{28A0092B-C50C-407E-A947-70E740481C1C}">
-                <a14:useLocalDpi xmlns="" xmlns:a14="http://schemas.microsoft.com/office/drawing/2010/main" val="0"/>
+                <a14:useLocalDpi xmlns:a14="http://schemas.microsoft.com/office/drawing/2010/main" xmlns="" val="0"/>
               </a:ext>
             </a:extLst>
           </a:blip>
@@ -4831,7 +4831,7 @@
     </p:spTree>
     <p:extLst>
       <p:ext uri="{BB962C8B-B14F-4D97-AF65-F5344CB8AC3E}">
-        <p14:creationId xmlns="" xmlns:p14="http://schemas.microsoft.com/office/powerpoint/2010/main" val="1816086968"/>
+        <p14:creationId xmlns:p14="http://schemas.microsoft.com/office/powerpoint/2010/main" xmlns="" val="1816086968"/>
       </p:ext>
     </p:extLst>
   </p:cSld>
